--- a/Slides/PowerShell Basics.pptx
+++ b/Slides/PowerShell Basics.pptx
@@ -113,6 +113,11 @@
       </a:defRPr>
     </a:lvl9pPr>
   </p:defaultTextStyle>
+  <p:extLst>
+    <p:ext uri="{EFAFB233-063F-42B5-8137-9DF3F51BA10A}">
+      <p15:sldGuideLst xmlns:p15="http://schemas.microsoft.com/office/powerpoint/2012/main"/>
+    </p:ext>
+  </p:extLst>
 </p:presentation>
 </file>
 
@@ -265,7 +270,7 @@
           <a:p>
             <a:fld id="{1910B5C7-9BF1-4748-BFED-C2E601268B93}" type="datetimeFigureOut">
               <a:rPr lang="en-IN" smtClean="0"/>
-              <a:t>18-09-2022</a:t>
+              <a:t>20-09-2022</a:t>
             </a:fld>
             <a:endParaRPr lang="en-IN"/>
           </a:p>
@@ -465,7 +470,7 @@
           <a:p>
             <a:fld id="{1910B5C7-9BF1-4748-BFED-C2E601268B93}" type="datetimeFigureOut">
               <a:rPr lang="en-IN" smtClean="0"/>
-              <a:t>18-09-2022</a:t>
+              <a:t>20-09-2022</a:t>
             </a:fld>
             <a:endParaRPr lang="en-IN"/>
           </a:p>
@@ -675,7 +680,7 @@
           <a:p>
             <a:fld id="{1910B5C7-9BF1-4748-BFED-C2E601268B93}" type="datetimeFigureOut">
               <a:rPr lang="en-IN" smtClean="0"/>
-              <a:t>18-09-2022</a:t>
+              <a:t>20-09-2022</a:t>
             </a:fld>
             <a:endParaRPr lang="en-IN"/>
           </a:p>
@@ -875,7 +880,7 @@
           <a:p>
             <a:fld id="{1910B5C7-9BF1-4748-BFED-C2E601268B93}" type="datetimeFigureOut">
               <a:rPr lang="en-IN" smtClean="0"/>
-              <a:t>18-09-2022</a:t>
+              <a:t>20-09-2022</a:t>
             </a:fld>
             <a:endParaRPr lang="en-IN"/>
           </a:p>
@@ -1151,7 +1156,7 @@
           <a:p>
             <a:fld id="{1910B5C7-9BF1-4748-BFED-C2E601268B93}" type="datetimeFigureOut">
               <a:rPr lang="en-IN" smtClean="0"/>
-              <a:t>18-09-2022</a:t>
+              <a:t>20-09-2022</a:t>
             </a:fld>
             <a:endParaRPr lang="en-IN"/>
           </a:p>
@@ -1419,7 +1424,7 @@
           <a:p>
             <a:fld id="{1910B5C7-9BF1-4748-BFED-C2E601268B93}" type="datetimeFigureOut">
               <a:rPr lang="en-IN" smtClean="0"/>
-              <a:t>18-09-2022</a:t>
+              <a:t>20-09-2022</a:t>
             </a:fld>
             <a:endParaRPr lang="en-IN"/>
           </a:p>
@@ -1834,7 +1839,7 @@
           <a:p>
             <a:fld id="{1910B5C7-9BF1-4748-BFED-C2E601268B93}" type="datetimeFigureOut">
               <a:rPr lang="en-IN" smtClean="0"/>
-              <a:t>18-09-2022</a:t>
+              <a:t>20-09-2022</a:t>
             </a:fld>
             <a:endParaRPr lang="en-IN"/>
           </a:p>
@@ -1976,7 +1981,7 @@
           <a:p>
             <a:fld id="{1910B5C7-9BF1-4748-BFED-C2E601268B93}" type="datetimeFigureOut">
               <a:rPr lang="en-IN" smtClean="0"/>
-              <a:t>18-09-2022</a:t>
+              <a:t>20-09-2022</a:t>
             </a:fld>
             <a:endParaRPr lang="en-IN"/>
           </a:p>
@@ -2089,7 +2094,7 @@
           <a:p>
             <a:fld id="{1910B5C7-9BF1-4748-BFED-C2E601268B93}" type="datetimeFigureOut">
               <a:rPr lang="en-IN" smtClean="0"/>
-              <a:t>18-09-2022</a:t>
+              <a:t>20-09-2022</a:t>
             </a:fld>
             <a:endParaRPr lang="en-IN"/>
           </a:p>
@@ -2402,7 +2407,7 @@
           <a:p>
             <a:fld id="{1910B5C7-9BF1-4748-BFED-C2E601268B93}" type="datetimeFigureOut">
               <a:rPr lang="en-IN" smtClean="0"/>
-              <a:t>18-09-2022</a:t>
+              <a:t>20-09-2022</a:t>
             </a:fld>
             <a:endParaRPr lang="en-IN"/>
           </a:p>
@@ -2691,7 +2696,7 @@
           <a:p>
             <a:fld id="{1910B5C7-9BF1-4748-BFED-C2E601268B93}" type="datetimeFigureOut">
               <a:rPr lang="en-IN" smtClean="0"/>
-              <a:t>18-09-2022</a:t>
+              <a:t>20-09-2022</a:t>
             </a:fld>
             <a:endParaRPr lang="en-IN"/>
           </a:p>
@@ -2934,7 +2939,7 @@
           <a:p>
             <a:fld id="{1910B5C7-9BF1-4748-BFED-C2E601268B93}" type="datetimeFigureOut">
               <a:rPr lang="en-IN" smtClean="0"/>
-              <a:t>18-09-2022</a:t>
+              <a:t>20-09-2022</a:t>
             </a:fld>
             <a:endParaRPr lang="en-IN"/>
           </a:p>
